--- a/templates/custom-reference.pptx
+++ b/templates/custom-reference.pptx
@@ -211,7 +211,7 @@
           <a:p>
             <a:fld id="{0F9C1CCF-B725-44A7-AA57-5E433BD85C9F}" type="datetimeFigureOut">
               <a:rPr lang="en-US" smtClean="0"/>
-              <a:t>1/19/2019</a:t>
+              <a:t>2/19/2019</a:t>
             </a:fld>
             <a:endParaRPr lang="en-US"/>
           </a:p>
@@ -629,7 +629,7 @@
           <a:p>
             <a:fld id="{241EB5C9-1307-BA42-ABA2-0BC069CD8E7F}" type="datetimeFigureOut">
               <a:rPr lang="en-US" smtClean="0"/>
-              <a:t>1/19/2019</a:t>
+              <a:t>2/19/2019</a:t>
             </a:fld>
             <a:endParaRPr lang="en-US"/>
           </a:p>
@@ -827,7 +827,7 @@
           <a:p>
             <a:fld id="{241EB5C9-1307-BA42-ABA2-0BC069CD8E7F}" type="datetimeFigureOut">
               <a:rPr lang="en-US" smtClean="0"/>
-              <a:t>1/19/2019</a:t>
+              <a:t>2/19/2019</a:t>
             </a:fld>
             <a:endParaRPr lang="en-US"/>
           </a:p>
@@ -1035,7 +1035,7 @@
           <a:p>
             <a:fld id="{241EB5C9-1307-BA42-ABA2-0BC069CD8E7F}" type="datetimeFigureOut">
               <a:rPr lang="en-US" smtClean="0"/>
-              <a:t>1/19/2019</a:t>
+              <a:t>2/19/2019</a:t>
             </a:fld>
             <a:endParaRPr lang="en-US"/>
           </a:p>
@@ -1233,7 +1233,7 @@
           <a:p>
             <a:fld id="{241EB5C9-1307-BA42-ABA2-0BC069CD8E7F}" type="datetimeFigureOut">
               <a:rPr lang="en-US" smtClean="0"/>
-              <a:t>1/19/2019</a:t>
+              <a:t>2/19/2019</a:t>
             </a:fld>
             <a:endParaRPr lang="en-US"/>
           </a:p>
@@ -1510,7 +1510,7 @@
           <a:p>
             <a:fld id="{241EB5C9-1307-BA42-ABA2-0BC069CD8E7F}" type="datetimeFigureOut">
               <a:rPr lang="en-US" smtClean="0"/>
-              <a:t>1/19/2019</a:t>
+              <a:t>2/19/2019</a:t>
             </a:fld>
             <a:endParaRPr lang="en-US"/>
           </a:p>
@@ -1775,7 +1775,7 @@
           <a:p>
             <a:fld id="{241EB5C9-1307-BA42-ABA2-0BC069CD8E7F}" type="datetimeFigureOut">
               <a:rPr lang="en-US" smtClean="0"/>
-              <a:t>1/19/2019</a:t>
+              <a:t>2/19/2019</a:t>
             </a:fld>
             <a:endParaRPr lang="en-US"/>
           </a:p>
@@ -2187,7 +2187,7 @@
           <a:p>
             <a:fld id="{241EB5C9-1307-BA42-ABA2-0BC069CD8E7F}" type="datetimeFigureOut">
               <a:rPr lang="en-US" smtClean="0"/>
-              <a:t>1/19/2019</a:t>
+              <a:t>2/19/2019</a:t>
             </a:fld>
             <a:endParaRPr lang="en-US"/>
           </a:p>
@@ -2328,7 +2328,7 @@
           <a:p>
             <a:fld id="{241EB5C9-1307-BA42-ABA2-0BC069CD8E7F}" type="datetimeFigureOut">
               <a:rPr lang="en-US" smtClean="0"/>
-              <a:t>1/19/2019</a:t>
+              <a:t>2/19/2019</a:t>
             </a:fld>
             <a:endParaRPr lang="en-US"/>
           </a:p>
@@ -2441,7 +2441,7 @@
           <a:p>
             <a:fld id="{241EB5C9-1307-BA42-ABA2-0BC069CD8E7F}" type="datetimeFigureOut">
               <a:rPr lang="en-US" smtClean="0"/>
-              <a:t>1/19/2019</a:t>
+              <a:t>2/19/2019</a:t>
             </a:fld>
             <a:endParaRPr lang="en-US"/>
           </a:p>
@@ -2752,7 +2752,7 @@
           <a:p>
             <a:fld id="{241EB5C9-1307-BA42-ABA2-0BC069CD8E7F}" type="datetimeFigureOut">
               <a:rPr lang="en-US" smtClean="0"/>
-              <a:t>1/19/2019</a:t>
+              <a:t>2/19/2019</a:t>
             </a:fld>
             <a:endParaRPr lang="en-US"/>
           </a:p>
@@ -3040,7 +3040,7 @@
           <a:p>
             <a:fld id="{241EB5C9-1307-BA42-ABA2-0BC069CD8E7F}" type="datetimeFigureOut">
               <a:rPr lang="en-US" smtClean="0"/>
-              <a:t>1/19/2019</a:t>
+              <a:t>2/19/2019</a:t>
             </a:fld>
             <a:endParaRPr lang="en-US"/>
           </a:p>
@@ -3206,35 +3206,35 @@
           <a:p>
             <a:pPr lvl="0"/>
             <a:r>
-              <a:rPr lang="en-US"/>
+              <a:rPr lang="en-US" dirty="0"/>
               <a:t>Edit Master text styles</a:t>
             </a:r>
           </a:p>
           <a:p>
             <a:pPr lvl="1"/>
             <a:r>
-              <a:rPr lang="en-US"/>
+              <a:rPr lang="en-US" dirty="0"/>
               <a:t>Second level</a:t>
             </a:r>
           </a:p>
           <a:p>
             <a:pPr lvl="2"/>
             <a:r>
-              <a:rPr lang="en-US"/>
+              <a:rPr lang="en-US" dirty="0"/>
               <a:t>Third level</a:t>
             </a:r>
           </a:p>
           <a:p>
             <a:pPr lvl="3"/>
             <a:r>
-              <a:rPr lang="en-US"/>
+              <a:rPr lang="en-US" dirty="0"/>
               <a:t>Fourth level</a:t>
             </a:r>
           </a:p>
           <a:p>
             <a:pPr lvl="4"/>
             <a:r>
-              <a:rPr lang="en-US"/>
+              <a:rPr lang="en-US" dirty="0"/>
               <a:t>Fifth level</a:t>
             </a:r>
           </a:p>
@@ -3281,7 +3281,7 @@
           <a:p>
             <a:fld id="{241EB5C9-1307-BA42-ABA2-0BC069CD8E7F}" type="datetimeFigureOut">
               <a:rPr lang="en-US" smtClean="0"/>
-              <a:t>1/19/2019</a:t>
+              <a:t>2/19/2019</a:t>
             </a:fld>
             <a:endParaRPr lang="en-US"/>
           </a:p>
@@ -3438,7 +3438,7 @@
           <a:spcPct val="0"/>
         </a:spcBef>
         <a:buNone/>
-        <a:defRPr sz="5600" b="1" kern="1200">
+        <a:defRPr sz="4400" b="1" kern="1200">
           <a:solidFill>
             <a:schemeClr val="tx1"/>
           </a:solidFill>
